--- a/resources/ppt-slides/control-flow-if-else-if-statement.pptx
+++ b/resources/ppt-slides/control-flow-if-else-if-statement.pptx
@@ -254,7 +254,7 @@
           <a:p>
             <a:fld id="{964302DC-9F53-934F-AE4D-0F1F197008C1}" type="datetimeFigureOut">
               <a:rPr lang="en-US" smtClean="0"/>
-              <a:t>2/9/24</a:t>
+              <a:t>2/2/24</a:t>
             </a:fld>
             <a:endParaRPr lang="en-US"/>
           </a:p>
@@ -424,7 +424,7 @@
           <a:p>
             <a:fld id="{964302DC-9F53-934F-AE4D-0F1F197008C1}" type="datetimeFigureOut">
               <a:rPr lang="en-US" smtClean="0"/>
-              <a:t>2/9/24</a:t>
+              <a:t>2/2/24</a:t>
             </a:fld>
             <a:endParaRPr lang="en-US"/>
           </a:p>
@@ -604,7 +604,7 @@
           <a:p>
             <a:fld id="{964302DC-9F53-934F-AE4D-0F1F197008C1}" type="datetimeFigureOut">
               <a:rPr lang="en-US" smtClean="0"/>
-              <a:t>2/9/24</a:t>
+              <a:t>2/2/24</a:t>
             </a:fld>
             <a:endParaRPr lang="en-US"/>
           </a:p>
@@ -774,7 +774,7 @@
           <a:p>
             <a:fld id="{964302DC-9F53-934F-AE4D-0F1F197008C1}" type="datetimeFigureOut">
               <a:rPr lang="en-US" smtClean="0"/>
-              <a:t>2/9/24</a:t>
+              <a:t>2/2/24</a:t>
             </a:fld>
             <a:endParaRPr lang="en-US"/>
           </a:p>
@@ -1018,7 +1018,7 @@
           <a:p>
             <a:fld id="{964302DC-9F53-934F-AE4D-0F1F197008C1}" type="datetimeFigureOut">
               <a:rPr lang="en-US" smtClean="0"/>
-              <a:t>2/9/24</a:t>
+              <a:t>2/2/24</a:t>
             </a:fld>
             <a:endParaRPr lang="en-US"/>
           </a:p>
@@ -1250,7 +1250,7 @@
           <a:p>
             <a:fld id="{964302DC-9F53-934F-AE4D-0F1F197008C1}" type="datetimeFigureOut">
               <a:rPr lang="en-US" smtClean="0"/>
-              <a:t>2/9/24</a:t>
+              <a:t>2/2/24</a:t>
             </a:fld>
             <a:endParaRPr lang="en-US"/>
           </a:p>
@@ -1617,7 +1617,7 @@
           <a:p>
             <a:fld id="{964302DC-9F53-934F-AE4D-0F1F197008C1}" type="datetimeFigureOut">
               <a:rPr lang="en-US" smtClean="0"/>
-              <a:t>2/9/24</a:t>
+              <a:t>2/2/24</a:t>
             </a:fld>
             <a:endParaRPr lang="en-US"/>
           </a:p>
@@ -1735,7 +1735,7 @@
           <a:p>
             <a:fld id="{964302DC-9F53-934F-AE4D-0F1F197008C1}" type="datetimeFigureOut">
               <a:rPr lang="en-US" smtClean="0"/>
-              <a:t>2/9/24</a:t>
+              <a:t>2/2/24</a:t>
             </a:fld>
             <a:endParaRPr lang="en-US"/>
           </a:p>
@@ -1830,7 +1830,7 @@
           <a:p>
             <a:fld id="{964302DC-9F53-934F-AE4D-0F1F197008C1}" type="datetimeFigureOut">
               <a:rPr lang="en-US" smtClean="0"/>
-              <a:t>2/9/24</a:t>
+              <a:t>2/2/24</a:t>
             </a:fld>
             <a:endParaRPr lang="en-US"/>
           </a:p>
@@ -2107,7 +2107,7 @@
           <a:p>
             <a:fld id="{964302DC-9F53-934F-AE4D-0F1F197008C1}" type="datetimeFigureOut">
               <a:rPr lang="en-US" smtClean="0"/>
-              <a:t>2/9/24</a:t>
+              <a:t>2/2/24</a:t>
             </a:fld>
             <a:endParaRPr lang="en-US"/>
           </a:p>
@@ -2364,7 +2364,7 @@
           <a:p>
             <a:fld id="{964302DC-9F53-934F-AE4D-0F1F197008C1}" type="datetimeFigureOut">
               <a:rPr lang="en-US" smtClean="0"/>
-              <a:t>2/9/24</a:t>
+              <a:t>2/2/24</a:t>
             </a:fld>
             <a:endParaRPr lang="en-US"/>
           </a:p>
@@ -2429,18 +2429,9 @@
 <p:sldMaster xmlns:a="http://schemas.openxmlformats.org/drawingml/2006/main" xmlns:r="http://schemas.openxmlformats.org/officeDocument/2006/relationships" xmlns:p="http://schemas.openxmlformats.org/presentationml/2006/main">
   <p:cSld>
     <p:bg>
-      <p:bgPr>
-        <a:blipFill dpi="0" rotWithShape="1">
-          <a:blip r:embed="rId13">
-            <a:lum/>
-          </a:blip>
-          <a:srcRect/>
-          <a:stretch>
-            <a:fillRect l="-4000" r="-4000"/>
-          </a:stretch>
-        </a:blipFill>
-        <a:effectLst/>
-      </p:bgPr>
+      <p:bgRef idx="1001">
+        <a:schemeClr val="bg1"/>
+      </p:bgRef>
     </p:bg>
     <p:spTree>
       <p:nvGrpSpPr>
@@ -2586,7 +2577,7 @@
           <a:p>
             <a:fld id="{964302DC-9F53-934F-AE4D-0F1F197008C1}" type="datetimeFigureOut">
               <a:rPr lang="en-US" smtClean="0"/>
-              <a:t>2/9/24</a:t>
+              <a:t>2/2/24</a:t>
             </a:fld>
             <a:endParaRPr lang="en-US"/>
           </a:p>
@@ -2977,6 +2968,20 @@
 <file path=ppt/slides/slide1.xml><?xml version="1.0" encoding="utf-8"?>
 <p:sld xmlns:a="http://schemas.openxmlformats.org/drawingml/2006/main" xmlns:r="http://schemas.openxmlformats.org/officeDocument/2006/relationships" xmlns:p="http://schemas.openxmlformats.org/presentationml/2006/main">
   <p:cSld>
+    <p:bg>
+      <p:bgPr>
+        <a:blipFill dpi="0" rotWithShape="1">
+          <a:blip r:embed="rId2">
+            <a:lum/>
+          </a:blip>
+          <a:srcRect/>
+          <a:stretch>
+            <a:fillRect l="-4000" r="-4000"/>
+          </a:stretch>
+        </a:blipFill>
+        <a:effectLst/>
+      </p:bgPr>
+    </p:bg>
     <p:spTree>
       <p:nvGrpSpPr>
         <p:cNvPr id="1" name=""/>
@@ -3026,7 +3031,7 @@
             <p:nvPr/>
           </p:nvPicPr>
           <p:blipFill>
-            <a:blip r:embed="rId2">
+            <a:blip r:embed="rId3">
               <a:alphaModFix amt="30000"/>
             </a:blip>
             <a:stretch>
@@ -5124,7 +5129,7 @@
           <p:nvPr/>
         </p:nvPicPr>
         <p:blipFill>
-          <a:blip r:embed="rId3">
+          <a:blip r:embed="rId4">
             <a:alphaModFix amt="30000"/>
           </a:blip>
           <a:stretch>
@@ -5336,7 +5341,7 @@
                   </a:schemeClr>
                 </a:solidFill>
               </a:rPr>
-              <a:t>    WriteLine("Good choice, C# is a fine language.");</a:t>
+              <a:t>  WriteLine("Good choice, C# is a fine language.");</a:t>
             </a:r>
           </a:p>
           <a:p>
@@ -5400,7 +5405,7 @@
                   </a:schemeClr>
                 </a:solidFill>
               </a:rPr>
-              <a:t>    WriteLine(“These are great languages.”);</a:t>
+              <a:t>  WriteLine(“These are great languages.”);</a:t>
             </a:r>
           </a:p>
           <a:p>
@@ -5433,6 +5438,272 @@
                 </a:solidFill>
               </a:rPr>
               <a:t>else …</a:t>
+            </a:r>
+          </a:p>
+        </p:txBody>
+      </p:sp>
+      <p:sp>
+        <p:nvSpPr>
+          <p:cNvPr id="22" name="Rectangle 21">
+            <a:extLst>
+              <a:ext uri="{FF2B5EF4-FFF2-40B4-BE49-F238E27FC236}">
+                <a16:creationId xmlns:a16="http://schemas.microsoft.com/office/drawing/2014/main" id="{DC4A663E-B37D-A3E4-8CFB-373399FD44A2}"/>
+              </a:ext>
+            </a:extLst>
+          </p:cNvPr>
+          <p:cNvSpPr/>
+          <p:nvPr/>
+        </p:nvSpPr>
+        <p:spPr>
+          <a:xfrm>
+            <a:off x="4994190" y="463922"/>
+            <a:ext cx="2127794" cy="1085065"/>
+          </a:xfrm>
+          <a:custGeom>
+            <a:avLst/>
+            <a:gdLst>
+              <a:gd name="connsiteX0" fmla="*/ 0 w 2127794"/>
+              <a:gd name="connsiteY0" fmla="*/ 0 h 1085065"/>
+              <a:gd name="connsiteX1" fmla="*/ 510671 w 2127794"/>
+              <a:gd name="connsiteY1" fmla="*/ 0 h 1085065"/>
+              <a:gd name="connsiteX2" fmla="*/ 1042619 w 2127794"/>
+              <a:gd name="connsiteY2" fmla="*/ 0 h 1085065"/>
+              <a:gd name="connsiteX3" fmla="*/ 1595846 w 2127794"/>
+              <a:gd name="connsiteY3" fmla="*/ 0 h 1085065"/>
+              <a:gd name="connsiteX4" fmla="*/ 2127794 w 2127794"/>
+              <a:gd name="connsiteY4" fmla="*/ 0 h 1085065"/>
+              <a:gd name="connsiteX5" fmla="*/ 2127794 w 2127794"/>
+              <a:gd name="connsiteY5" fmla="*/ 553383 h 1085065"/>
+              <a:gd name="connsiteX6" fmla="*/ 2127794 w 2127794"/>
+              <a:gd name="connsiteY6" fmla="*/ 1085065 h 1085065"/>
+              <a:gd name="connsiteX7" fmla="*/ 1553290 w 2127794"/>
+              <a:gd name="connsiteY7" fmla="*/ 1085065 h 1085065"/>
+              <a:gd name="connsiteX8" fmla="*/ 978785 w 2127794"/>
+              <a:gd name="connsiteY8" fmla="*/ 1085065 h 1085065"/>
+              <a:gd name="connsiteX9" fmla="*/ 0 w 2127794"/>
+              <a:gd name="connsiteY9" fmla="*/ 1085065 h 1085065"/>
+              <a:gd name="connsiteX10" fmla="*/ 0 w 2127794"/>
+              <a:gd name="connsiteY10" fmla="*/ 553383 h 1085065"/>
+              <a:gd name="connsiteX11" fmla="*/ 0 w 2127794"/>
+              <a:gd name="connsiteY11" fmla="*/ 0 h 1085065"/>
+            </a:gdLst>
+            <a:ahLst/>
+            <a:cxnLst>
+              <a:cxn ang="0">
+                <a:pos x="connsiteX0" y="connsiteY0"/>
+              </a:cxn>
+              <a:cxn ang="0">
+                <a:pos x="connsiteX1" y="connsiteY1"/>
+              </a:cxn>
+              <a:cxn ang="0">
+                <a:pos x="connsiteX2" y="connsiteY2"/>
+              </a:cxn>
+              <a:cxn ang="0">
+                <a:pos x="connsiteX3" y="connsiteY3"/>
+              </a:cxn>
+              <a:cxn ang="0">
+                <a:pos x="connsiteX4" y="connsiteY4"/>
+              </a:cxn>
+              <a:cxn ang="0">
+                <a:pos x="connsiteX5" y="connsiteY5"/>
+              </a:cxn>
+              <a:cxn ang="0">
+                <a:pos x="connsiteX6" y="connsiteY6"/>
+              </a:cxn>
+              <a:cxn ang="0">
+                <a:pos x="connsiteX7" y="connsiteY7"/>
+              </a:cxn>
+              <a:cxn ang="0">
+                <a:pos x="connsiteX8" y="connsiteY8"/>
+              </a:cxn>
+              <a:cxn ang="0">
+                <a:pos x="connsiteX9" y="connsiteY9"/>
+              </a:cxn>
+              <a:cxn ang="0">
+                <a:pos x="connsiteX10" y="connsiteY10"/>
+              </a:cxn>
+              <a:cxn ang="0">
+                <a:pos x="connsiteX11" y="connsiteY11"/>
+              </a:cxn>
+            </a:cxnLst>
+            <a:rect l="l" t="t" r="r" b="b"/>
+            <a:pathLst>
+              <a:path w="2127794" h="1085065" fill="none" extrusionOk="0">
+                <a:moveTo>
+                  <a:pt x="0" y="0"/>
+                </a:moveTo>
+                <a:cubicBezTo>
+                  <a:pt x="119302" y="-23815"/>
+                  <a:pt x="321953" y="-4268"/>
+                  <a:pt x="510671" y="0"/>
+                </a:cubicBezTo>
+                <a:cubicBezTo>
+                  <a:pt x="699389" y="4268"/>
+                  <a:pt x="838789" y="907"/>
+                  <a:pt x="1042619" y="0"/>
+                </a:cubicBezTo>
+                <a:cubicBezTo>
+                  <a:pt x="1246449" y="-907"/>
+                  <a:pt x="1411197" y="-21334"/>
+                  <a:pt x="1595846" y="0"/>
+                </a:cubicBezTo>
+                <a:cubicBezTo>
+                  <a:pt x="1780495" y="21334"/>
+                  <a:pt x="1932912" y="7920"/>
+                  <a:pt x="2127794" y="0"/>
+                </a:cubicBezTo>
+                <a:cubicBezTo>
+                  <a:pt x="2127419" y="271704"/>
+                  <a:pt x="2137857" y="397892"/>
+                  <a:pt x="2127794" y="553383"/>
+                </a:cubicBezTo>
+                <a:cubicBezTo>
+                  <a:pt x="2117731" y="708874"/>
+                  <a:pt x="2106279" y="956975"/>
+                  <a:pt x="2127794" y="1085065"/>
+                </a:cubicBezTo>
+                <a:cubicBezTo>
+                  <a:pt x="1885798" y="1101516"/>
+                  <a:pt x="1702327" y="1081558"/>
+                  <a:pt x="1553290" y="1085065"/>
+                </a:cubicBezTo>
+                <a:cubicBezTo>
+                  <a:pt x="1404253" y="1088572"/>
+                  <a:pt x="1242606" y="1094387"/>
+                  <a:pt x="978785" y="1085065"/>
+                </a:cubicBezTo>
+                <a:cubicBezTo>
+                  <a:pt x="714965" y="1075743"/>
+                  <a:pt x="280424" y="1084092"/>
+                  <a:pt x="0" y="1085065"/>
+                </a:cubicBezTo>
+                <a:cubicBezTo>
+                  <a:pt x="-13849" y="960040"/>
+                  <a:pt x="-19899" y="725067"/>
+                  <a:pt x="0" y="553383"/>
+                </a:cubicBezTo>
+                <a:cubicBezTo>
+                  <a:pt x="19899" y="381699"/>
+                  <a:pt x="-3693" y="272116"/>
+                  <a:pt x="0" y="0"/>
+                </a:cubicBezTo>
+                <a:close/>
+              </a:path>
+              <a:path w="2127794" h="1085065" stroke="0" extrusionOk="0">
+                <a:moveTo>
+                  <a:pt x="0" y="0"/>
+                </a:moveTo>
+                <a:cubicBezTo>
+                  <a:pt x="171248" y="-8495"/>
+                  <a:pt x="325453" y="21877"/>
+                  <a:pt x="510671" y="0"/>
+                </a:cubicBezTo>
+                <a:cubicBezTo>
+                  <a:pt x="695889" y="-21877"/>
+                  <a:pt x="809193" y="-10069"/>
+                  <a:pt x="978785" y="0"/>
+                </a:cubicBezTo>
+                <a:cubicBezTo>
+                  <a:pt x="1148377" y="10069"/>
+                  <a:pt x="1318885" y="9299"/>
+                  <a:pt x="1553290" y="0"/>
+                </a:cubicBezTo>
+                <a:cubicBezTo>
+                  <a:pt x="1787695" y="-9299"/>
+                  <a:pt x="2002069" y="-24687"/>
+                  <a:pt x="2127794" y="0"/>
+                </a:cubicBezTo>
+                <a:cubicBezTo>
+                  <a:pt x="2106314" y="169500"/>
+                  <a:pt x="2151272" y="285308"/>
+                  <a:pt x="2127794" y="531682"/>
+                </a:cubicBezTo>
+                <a:cubicBezTo>
+                  <a:pt x="2104316" y="778056"/>
+                  <a:pt x="2118402" y="967639"/>
+                  <a:pt x="2127794" y="1085065"/>
+                </a:cubicBezTo>
+                <a:cubicBezTo>
+                  <a:pt x="1964894" y="1061427"/>
+                  <a:pt x="1766987" y="1072900"/>
+                  <a:pt x="1595846" y="1085065"/>
+                </a:cubicBezTo>
+                <a:cubicBezTo>
+                  <a:pt x="1424705" y="1097230"/>
+                  <a:pt x="1145921" y="1082667"/>
+                  <a:pt x="1021341" y="1085065"/>
+                </a:cubicBezTo>
+                <a:cubicBezTo>
+                  <a:pt x="896762" y="1087463"/>
+                  <a:pt x="704333" y="1073542"/>
+                  <a:pt x="553226" y="1085065"/>
+                </a:cubicBezTo>
+                <a:cubicBezTo>
+                  <a:pt x="402120" y="1096588"/>
+                  <a:pt x="149634" y="1090117"/>
+                  <a:pt x="0" y="1085065"/>
+                </a:cubicBezTo>
+                <a:cubicBezTo>
+                  <a:pt x="21856" y="935562"/>
+                  <a:pt x="-26363" y="762075"/>
+                  <a:pt x="0" y="542533"/>
+                </a:cubicBezTo>
+                <a:cubicBezTo>
+                  <a:pt x="26363" y="322991"/>
+                  <a:pt x="24427" y="211558"/>
+                  <a:pt x="0" y="0"/>
+                </a:cubicBezTo>
+                <a:close/>
+              </a:path>
+            </a:pathLst>
+          </a:custGeom>
+          <a:solidFill>
+            <a:schemeClr val="accent4">
+              <a:lumMod val="60000"/>
+              <a:lumOff val="40000"/>
+            </a:schemeClr>
+          </a:solidFill>
+          <a:ln w="12700">
+            <a:solidFill>
+              <a:schemeClr val="tx1"/>
+            </a:solidFill>
+            <a:extLst>
+              <a:ext uri="{C807C97D-BFC1-408E-A445-0C87EB9F89A2}">
+                <ask:lineSketchStyleProps xmlns:ask="http://schemas.microsoft.com/office/drawing/2018/sketchyshapes" sd="1219033472">
+                  <a:prstGeom prst="rect">
+                    <a:avLst/>
+                  </a:prstGeom>
+                  <ask:type>
+                    <ask:lineSketchFreehand/>
+                  </ask:type>
+                </ask:lineSketchStyleProps>
+              </a:ext>
+            </a:extLst>
+          </a:ln>
+          <a:effectLst/>
+        </p:spPr>
+        <p:style>
+          <a:lnRef idx="1">
+            <a:schemeClr val="accent4"/>
+          </a:lnRef>
+          <a:fillRef idx="2">
+            <a:schemeClr val="accent4"/>
+          </a:fillRef>
+          <a:effectRef idx="1">
+            <a:schemeClr val="accent4"/>
+          </a:effectRef>
+          <a:fontRef idx="minor">
+            <a:schemeClr val="dk1"/>
+          </a:fontRef>
+        </p:style>
+        <p:txBody>
+          <a:bodyPr rtlCol="0" anchor="ctr"/>
+          <a:lstStyle/>
+          <a:p>
+            <a:pPr algn="ctr"/>
+            <a:r>
+              <a:rPr lang="en-US" sz="1600" dirty="0"/>
+              <a:t>Let's see what happens if the user inputs “C#”</a:t>
             </a:r>
           </a:p>
         </p:txBody>
@@ -7791,7 +8062,7 @@
                   </a:schemeClr>
                 </a:solidFill>
               </a:rPr>
-              <a:t>    WriteLine("Good choice, C# is a fine language.");</a:t>
+              <a:t>  WriteLine("Good choice, C# is a fine language.");</a:t>
             </a:r>
           </a:p>
           <a:p>
@@ -7855,7 +8126,7 @@
                   </a:schemeClr>
                 </a:solidFill>
               </a:rPr>
-              <a:t>    WriteLine(“These are great languages.”);</a:t>
+              <a:t>  WriteLine(“These are great languages.”);</a:t>
             </a:r>
           </a:p>
           <a:p>
@@ -10298,7 +10569,7 @@
                   </a:schemeClr>
                 </a:solidFill>
               </a:rPr>
-              <a:t>    WriteLine("Good choice, C# is a fine language.");</a:t>
+              <a:t>  WriteLine("Good choice, C# is a fine language.");</a:t>
             </a:r>
           </a:p>
           <a:p>
@@ -10366,7 +10637,7 @@
                   </a:schemeClr>
                 </a:solidFill>
               </a:rPr>
-              <a:t>    WriteLine(“These are great languages.”);</a:t>
+              <a:t>  WriteLine(“These are great languages.”);</a:t>
             </a:r>
           </a:p>
           <a:p>
@@ -10520,6 +10791,20 @@
 <file path=ppt/slides/slide12.xml><?xml version="1.0" encoding="utf-8"?>
 <p:sld xmlns:a="http://schemas.openxmlformats.org/drawingml/2006/main" xmlns:r="http://schemas.openxmlformats.org/officeDocument/2006/relationships" xmlns:p="http://schemas.openxmlformats.org/presentationml/2006/main">
   <p:cSld>
+    <p:bg>
+      <p:bgPr>
+        <a:blipFill dpi="0" rotWithShape="1">
+          <a:blip r:embed="rId2">
+            <a:lum/>
+          </a:blip>
+          <a:srcRect/>
+          <a:stretch>
+            <a:fillRect t="-49000" b="-49000"/>
+          </a:stretch>
+        </a:blipFill>
+        <a:effectLst/>
+      </p:bgPr>
+    </p:bg>
     <p:spTree>
       <p:nvGrpSpPr>
         <p:cNvPr id="1" name=""/>
@@ -10569,7 +10854,7 @@
             <p:nvPr/>
           </p:nvPicPr>
           <p:blipFill>
-            <a:blip r:embed="rId2">
+            <a:blip r:embed="rId3">
               <a:alphaModFix amt="30000"/>
             </a:blip>
             <a:stretch>
@@ -12667,7 +12952,7 @@
           <p:nvPr/>
         </p:nvPicPr>
         <p:blipFill>
-          <a:blip r:embed="rId3">
+          <a:blip r:embed="rId4">
             <a:alphaModFix amt="30000"/>
           </a:blip>
           <a:stretch>
@@ -12821,7 +13106,7 @@
                   </a:schemeClr>
                 </a:solidFill>
               </a:rPr>
-              <a:t>    WriteLine("Good choice, C# is a fine language.");</a:t>
+              <a:t>  WriteLine("Good choice, C# is a fine language.");</a:t>
             </a:r>
           </a:p>
           <a:p>
@@ -12885,7 +13170,7 @@
                   </a:schemeClr>
                 </a:solidFill>
               </a:rPr>
-              <a:t>    WriteLine(“These are great languages.”);</a:t>
+              <a:t>  WriteLine(“These are great languages.”);</a:t>
             </a:r>
           </a:p>
           <a:p>
@@ -13015,6 +13300,20 @@
 <file path=ppt/slides/slide2.xml><?xml version="1.0" encoding="utf-8"?>
 <p:sld xmlns:a="http://schemas.openxmlformats.org/drawingml/2006/main" xmlns:r="http://schemas.openxmlformats.org/officeDocument/2006/relationships" xmlns:p="http://schemas.openxmlformats.org/presentationml/2006/main">
   <p:cSld>
+    <p:bg>
+      <p:bgPr>
+        <a:blipFill dpi="0" rotWithShape="1">
+          <a:blip r:embed="rId2">
+            <a:lum/>
+          </a:blip>
+          <a:srcRect/>
+          <a:stretch>
+            <a:fillRect/>
+          </a:stretch>
+        </a:blipFill>
+        <a:effectLst/>
+      </p:bgPr>
+    </p:bg>
     <p:spTree>
       <p:nvGrpSpPr>
         <p:cNvPr id="1" name=""/>
@@ -13064,7 +13363,7 @@
             <p:nvPr/>
           </p:nvPicPr>
           <p:blipFill>
-            <a:blip r:embed="rId2">
+            <a:blip r:embed="rId3">
               <a:alphaModFix amt="30000"/>
             </a:blip>
             <a:stretch>
@@ -15162,7 +15461,7 @@
           <p:nvPr/>
         </p:nvPicPr>
         <p:blipFill>
-          <a:blip r:embed="rId3">
+          <a:blip r:embed="rId4">
             <a:alphaModFix amt="30000"/>
           </a:blip>
           <a:stretch>
@@ -15292,7 +15591,7 @@
             </a:pPr>
             <a:r>
               <a:rPr lang="en-US" sz="1600" dirty="0"/>
-              <a:t>    WriteLine("Good choice, C# is a fine language.");</a:t>
+              <a:t>  WriteLine("Good choice, C# is a fine language.");</a:t>
             </a:r>
           </a:p>
           <a:p>
@@ -15350,7 +15649,7 @@
                   </a:schemeClr>
                 </a:solidFill>
               </a:rPr>
-              <a:t>    WriteLine(“These are great languages.”);</a:t>
+              <a:t>  WriteLine(“These are great languages.”);</a:t>
             </a:r>
           </a:p>
           <a:p>
@@ -15504,6 +15803,20 @@
 <file path=ppt/slides/slide3.xml><?xml version="1.0" encoding="utf-8"?>
 <p:sld xmlns:a="http://schemas.openxmlformats.org/drawingml/2006/main" xmlns:r="http://schemas.openxmlformats.org/officeDocument/2006/relationships" xmlns:p="http://schemas.openxmlformats.org/presentationml/2006/main">
   <p:cSld>
+    <p:bg>
+      <p:bgPr>
+        <a:blipFill dpi="0" rotWithShape="1">
+          <a:blip r:embed="rId2">
+            <a:lum/>
+          </a:blip>
+          <a:srcRect/>
+          <a:stretch>
+            <a:fillRect/>
+          </a:stretch>
+        </a:blipFill>
+        <a:effectLst/>
+      </p:bgPr>
+    </p:bg>
     <p:spTree>
       <p:nvGrpSpPr>
         <p:cNvPr id="1" name=""/>
@@ -15553,7 +15866,7 @@
             <p:nvPr/>
           </p:nvPicPr>
           <p:blipFill>
-            <a:blip r:embed="rId2">
+            <a:blip r:embed="rId3">
               <a:alphaModFix amt="30000"/>
             </a:blip>
             <a:stretch>
@@ -17651,7 +17964,7 @@
           <p:nvPr/>
         </p:nvPicPr>
         <p:blipFill>
-          <a:blip r:embed="rId3">
+          <a:blip r:embed="rId4">
             <a:alphaModFix amt="30000"/>
           </a:blip>
           <a:stretch>
@@ -17811,7 +18124,7 @@
                   </a:schemeClr>
                 </a:solidFill>
               </a:rPr>
-              <a:t>    WriteLine("Good choice, C# is a fine language.");</a:t>
+              <a:t>  WriteLine("Good choice, C# is a fine language.");</a:t>
             </a:r>
           </a:p>
           <a:p>
@@ -17879,7 +18192,7 @@
                   </a:schemeClr>
                 </a:solidFill>
               </a:rPr>
-              <a:t>    WriteLine(“These are great languages.”);</a:t>
+              <a:t>  WriteLine(“These are great languages.”);</a:t>
             </a:r>
           </a:p>
           <a:p>
@@ -18027,6 +18340,20 @@
 <file path=ppt/slides/slide4.xml><?xml version="1.0" encoding="utf-8"?>
 <p:sld xmlns:a="http://schemas.openxmlformats.org/drawingml/2006/main" xmlns:r="http://schemas.openxmlformats.org/officeDocument/2006/relationships" xmlns:p="http://schemas.openxmlformats.org/presentationml/2006/main">
   <p:cSld>
+    <p:bg>
+      <p:bgPr>
+        <a:blipFill dpi="0" rotWithShape="1">
+          <a:blip r:embed="rId2">
+            <a:lum/>
+          </a:blip>
+          <a:srcRect/>
+          <a:stretch>
+            <a:fillRect/>
+          </a:stretch>
+        </a:blipFill>
+        <a:effectLst/>
+      </p:bgPr>
+    </p:bg>
     <p:spTree>
       <p:nvGrpSpPr>
         <p:cNvPr id="1" name=""/>
@@ -18076,7 +18403,7 @@
             <p:nvPr/>
           </p:nvPicPr>
           <p:blipFill>
-            <a:blip r:embed="rId2">
+            <a:blip r:embed="rId3">
               <a:alphaModFix amt="30000"/>
             </a:blip>
             <a:stretch>
@@ -20174,7 +20501,7 @@
           <p:nvPr/>
         </p:nvPicPr>
         <p:blipFill>
-          <a:blip r:embed="rId3">
+          <a:blip r:embed="rId4">
             <a:alphaModFix amt="30000"/>
           </a:blip>
           <a:stretch>
@@ -20386,7 +20713,7 @@
                   </a:schemeClr>
                 </a:solidFill>
               </a:rPr>
-              <a:t>    WriteLine("Good choice, C# is a fine language.");</a:t>
+              <a:t>  WriteLine("Good choice, C# is a fine language.");</a:t>
             </a:r>
           </a:p>
           <a:p>
@@ -20450,7 +20777,7 @@
                   </a:schemeClr>
                 </a:solidFill>
               </a:rPr>
-              <a:t>    WriteLine(“These are great languages.”);</a:t>
+              <a:t>  WriteLine(“These are great languages.”);</a:t>
             </a:r>
           </a:p>
           <a:p>
@@ -20483,6 +20810,272 @@
                 </a:solidFill>
               </a:rPr>
               <a:t>else …</a:t>
+            </a:r>
+          </a:p>
+        </p:txBody>
+      </p:sp>
+      <p:sp>
+        <p:nvSpPr>
+          <p:cNvPr id="22" name="Rectangle 21">
+            <a:extLst>
+              <a:ext uri="{FF2B5EF4-FFF2-40B4-BE49-F238E27FC236}">
+                <a16:creationId xmlns:a16="http://schemas.microsoft.com/office/drawing/2014/main" id="{DC4A663E-B37D-A3E4-8CFB-373399FD44A2}"/>
+              </a:ext>
+            </a:extLst>
+          </p:cNvPr>
+          <p:cNvSpPr/>
+          <p:nvPr/>
+        </p:nvSpPr>
+        <p:spPr>
+          <a:xfrm>
+            <a:off x="4994190" y="463922"/>
+            <a:ext cx="2127794" cy="1085065"/>
+          </a:xfrm>
+          <a:custGeom>
+            <a:avLst/>
+            <a:gdLst>
+              <a:gd name="connsiteX0" fmla="*/ 0 w 2127794"/>
+              <a:gd name="connsiteY0" fmla="*/ 0 h 1085065"/>
+              <a:gd name="connsiteX1" fmla="*/ 510671 w 2127794"/>
+              <a:gd name="connsiteY1" fmla="*/ 0 h 1085065"/>
+              <a:gd name="connsiteX2" fmla="*/ 1042619 w 2127794"/>
+              <a:gd name="connsiteY2" fmla="*/ 0 h 1085065"/>
+              <a:gd name="connsiteX3" fmla="*/ 1595846 w 2127794"/>
+              <a:gd name="connsiteY3" fmla="*/ 0 h 1085065"/>
+              <a:gd name="connsiteX4" fmla="*/ 2127794 w 2127794"/>
+              <a:gd name="connsiteY4" fmla="*/ 0 h 1085065"/>
+              <a:gd name="connsiteX5" fmla="*/ 2127794 w 2127794"/>
+              <a:gd name="connsiteY5" fmla="*/ 553383 h 1085065"/>
+              <a:gd name="connsiteX6" fmla="*/ 2127794 w 2127794"/>
+              <a:gd name="connsiteY6" fmla="*/ 1085065 h 1085065"/>
+              <a:gd name="connsiteX7" fmla="*/ 1553290 w 2127794"/>
+              <a:gd name="connsiteY7" fmla="*/ 1085065 h 1085065"/>
+              <a:gd name="connsiteX8" fmla="*/ 978785 w 2127794"/>
+              <a:gd name="connsiteY8" fmla="*/ 1085065 h 1085065"/>
+              <a:gd name="connsiteX9" fmla="*/ 0 w 2127794"/>
+              <a:gd name="connsiteY9" fmla="*/ 1085065 h 1085065"/>
+              <a:gd name="connsiteX10" fmla="*/ 0 w 2127794"/>
+              <a:gd name="connsiteY10" fmla="*/ 553383 h 1085065"/>
+              <a:gd name="connsiteX11" fmla="*/ 0 w 2127794"/>
+              <a:gd name="connsiteY11" fmla="*/ 0 h 1085065"/>
+            </a:gdLst>
+            <a:ahLst/>
+            <a:cxnLst>
+              <a:cxn ang="0">
+                <a:pos x="connsiteX0" y="connsiteY0"/>
+              </a:cxn>
+              <a:cxn ang="0">
+                <a:pos x="connsiteX1" y="connsiteY1"/>
+              </a:cxn>
+              <a:cxn ang="0">
+                <a:pos x="connsiteX2" y="connsiteY2"/>
+              </a:cxn>
+              <a:cxn ang="0">
+                <a:pos x="connsiteX3" y="connsiteY3"/>
+              </a:cxn>
+              <a:cxn ang="0">
+                <a:pos x="connsiteX4" y="connsiteY4"/>
+              </a:cxn>
+              <a:cxn ang="0">
+                <a:pos x="connsiteX5" y="connsiteY5"/>
+              </a:cxn>
+              <a:cxn ang="0">
+                <a:pos x="connsiteX6" y="connsiteY6"/>
+              </a:cxn>
+              <a:cxn ang="0">
+                <a:pos x="connsiteX7" y="connsiteY7"/>
+              </a:cxn>
+              <a:cxn ang="0">
+                <a:pos x="connsiteX8" y="connsiteY8"/>
+              </a:cxn>
+              <a:cxn ang="0">
+                <a:pos x="connsiteX9" y="connsiteY9"/>
+              </a:cxn>
+              <a:cxn ang="0">
+                <a:pos x="connsiteX10" y="connsiteY10"/>
+              </a:cxn>
+              <a:cxn ang="0">
+                <a:pos x="connsiteX11" y="connsiteY11"/>
+              </a:cxn>
+            </a:cxnLst>
+            <a:rect l="l" t="t" r="r" b="b"/>
+            <a:pathLst>
+              <a:path w="2127794" h="1085065" fill="none" extrusionOk="0">
+                <a:moveTo>
+                  <a:pt x="0" y="0"/>
+                </a:moveTo>
+                <a:cubicBezTo>
+                  <a:pt x="119302" y="-23815"/>
+                  <a:pt x="321953" y="-4268"/>
+                  <a:pt x="510671" y="0"/>
+                </a:cubicBezTo>
+                <a:cubicBezTo>
+                  <a:pt x="699389" y="4268"/>
+                  <a:pt x="838789" y="907"/>
+                  <a:pt x="1042619" y="0"/>
+                </a:cubicBezTo>
+                <a:cubicBezTo>
+                  <a:pt x="1246449" y="-907"/>
+                  <a:pt x="1411197" y="-21334"/>
+                  <a:pt x="1595846" y="0"/>
+                </a:cubicBezTo>
+                <a:cubicBezTo>
+                  <a:pt x="1780495" y="21334"/>
+                  <a:pt x="1932912" y="7920"/>
+                  <a:pt x="2127794" y="0"/>
+                </a:cubicBezTo>
+                <a:cubicBezTo>
+                  <a:pt x="2127419" y="271704"/>
+                  <a:pt x="2137857" y="397892"/>
+                  <a:pt x="2127794" y="553383"/>
+                </a:cubicBezTo>
+                <a:cubicBezTo>
+                  <a:pt x="2117731" y="708874"/>
+                  <a:pt x="2106279" y="956975"/>
+                  <a:pt x="2127794" y="1085065"/>
+                </a:cubicBezTo>
+                <a:cubicBezTo>
+                  <a:pt x="1885798" y="1101516"/>
+                  <a:pt x="1702327" y="1081558"/>
+                  <a:pt x="1553290" y="1085065"/>
+                </a:cubicBezTo>
+                <a:cubicBezTo>
+                  <a:pt x="1404253" y="1088572"/>
+                  <a:pt x="1242606" y="1094387"/>
+                  <a:pt x="978785" y="1085065"/>
+                </a:cubicBezTo>
+                <a:cubicBezTo>
+                  <a:pt x="714965" y="1075743"/>
+                  <a:pt x="280424" y="1084092"/>
+                  <a:pt x="0" y="1085065"/>
+                </a:cubicBezTo>
+                <a:cubicBezTo>
+                  <a:pt x="-13849" y="960040"/>
+                  <a:pt x="-19899" y="725067"/>
+                  <a:pt x="0" y="553383"/>
+                </a:cubicBezTo>
+                <a:cubicBezTo>
+                  <a:pt x="19899" y="381699"/>
+                  <a:pt x="-3693" y="272116"/>
+                  <a:pt x="0" y="0"/>
+                </a:cubicBezTo>
+                <a:close/>
+              </a:path>
+              <a:path w="2127794" h="1085065" stroke="0" extrusionOk="0">
+                <a:moveTo>
+                  <a:pt x="0" y="0"/>
+                </a:moveTo>
+                <a:cubicBezTo>
+                  <a:pt x="171248" y="-8495"/>
+                  <a:pt x="325453" y="21877"/>
+                  <a:pt x="510671" y="0"/>
+                </a:cubicBezTo>
+                <a:cubicBezTo>
+                  <a:pt x="695889" y="-21877"/>
+                  <a:pt x="809193" y="-10069"/>
+                  <a:pt x="978785" y="0"/>
+                </a:cubicBezTo>
+                <a:cubicBezTo>
+                  <a:pt x="1148377" y="10069"/>
+                  <a:pt x="1318885" y="9299"/>
+                  <a:pt x="1553290" y="0"/>
+                </a:cubicBezTo>
+                <a:cubicBezTo>
+                  <a:pt x="1787695" y="-9299"/>
+                  <a:pt x="2002069" y="-24687"/>
+                  <a:pt x="2127794" y="0"/>
+                </a:cubicBezTo>
+                <a:cubicBezTo>
+                  <a:pt x="2106314" y="169500"/>
+                  <a:pt x="2151272" y="285308"/>
+                  <a:pt x="2127794" y="531682"/>
+                </a:cubicBezTo>
+                <a:cubicBezTo>
+                  <a:pt x="2104316" y="778056"/>
+                  <a:pt x="2118402" y="967639"/>
+                  <a:pt x="2127794" y="1085065"/>
+                </a:cubicBezTo>
+                <a:cubicBezTo>
+                  <a:pt x="1964894" y="1061427"/>
+                  <a:pt x="1766987" y="1072900"/>
+                  <a:pt x="1595846" y="1085065"/>
+                </a:cubicBezTo>
+                <a:cubicBezTo>
+                  <a:pt x="1424705" y="1097230"/>
+                  <a:pt x="1145921" y="1082667"/>
+                  <a:pt x="1021341" y="1085065"/>
+                </a:cubicBezTo>
+                <a:cubicBezTo>
+                  <a:pt x="896762" y="1087463"/>
+                  <a:pt x="704333" y="1073542"/>
+                  <a:pt x="553226" y="1085065"/>
+                </a:cubicBezTo>
+                <a:cubicBezTo>
+                  <a:pt x="402120" y="1096588"/>
+                  <a:pt x="149634" y="1090117"/>
+                  <a:pt x="0" y="1085065"/>
+                </a:cubicBezTo>
+                <a:cubicBezTo>
+                  <a:pt x="21856" y="935562"/>
+                  <a:pt x="-26363" y="762075"/>
+                  <a:pt x="0" y="542533"/>
+                </a:cubicBezTo>
+                <a:cubicBezTo>
+                  <a:pt x="26363" y="322991"/>
+                  <a:pt x="24427" y="211558"/>
+                  <a:pt x="0" y="0"/>
+                </a:cubicBezTo>
+                <a:close/>
+              </a:path>
+            </a:pathLst>
+          </a:custGeom>
+          <a:solidFill>
+            <a:schemeClr val="accent4">
+              <a:lumMod val="60000"/>
+              <a:lumOff val="40000"/>
+            </a:schemeClr>
+          </a:solidFill>
+          <a:ln w="12700">
+            <a:solidFill>
+              <a:schemeClr val="tx1"/>
+            </a:solidFill>
+            <a:extLst>
+              <a:ext uri="{C807C97D-BFC1-408E-A445-0C87EB9F89A2}">
+                <ask:lineSketchStyleProps xmlns:ask="http://schemas.microsoft.com/office/drawing/2018/sketchyshapes" sd="1219033472">
+                  <a:prstGeom prst="rect">
+                    <a:avLst/>
+                  </a:prstGeom>
+                  <ask:type>
+                    <ask:lineSketchFreehand/>
+                  </ask:type>
+                </ask:lineSketchStyleProps>
+              </a:ext>
+            </a:extLst>
+          </a:ln>
+          <a:effectLst/>
+        </p:spPr>
+        <p:style>
+          <a:lnRef idx="1">
+            <a:schemeClr val="accent4"/>
+          </a:lnRef>
+          <a:fillRef idx="2">
+            <a:schemeClr val="accent4"/>
+          </a:fillRef>
+          <a:effectRef idx="1">
+            <a:schemeClr val="accent4"/>
+          </a:effectRef>
+          <a:fontRef idx="minor">
+            <a:schemeClr val="dk1"/>
+          </a:fontRef>
+        </p:style>
+        <p:txBody>
+          <a:bodyPr rtlCol="0" anchor="ctr"/>
+          <a:lstStyle/>
+          <a:p>
+            <a:pPr algn="ctr"/>
+            <a:r>
+              <a:rPr lang="en-US" sz="1600" dirty="0"/>
+              <a:t>Let's see what happens if the user inputs “C++”</a:t>
             </a:r>
           </a:p>
         </p:txBody>
@@ -20540,6 +21133,20 @@
 <file path=ppt/slides/slide5.xml><?xml version="1.0" encoding="utf-8"?>
 <p:sld xmlns:a="http://schemas.openxmlformats.org/drawingml/2006/main" xmlns:r="http://schemas.openxmlformats.org/officeDocument/2006/relationships" xmlns:p="http://schemas.openxmlformats.org/presentationml/2006/main">
   <p:cSld>
+    <p:bg>
+      <p:bgPr>
+        <a:blipFill dpi="0" rotWithShape="1">
+          <a:blip r:embed="rId2">
+            <a:lum/>
+          </a:blip>
+          <a:srcRect/>
+          <a:stretch>
+            <a:fillRect/>
+          </a:stretch>
+        </a:blipFill>
+        <a:effectLst/>
+      </p:bgPr>
+    </p:bg>
     <p:spTree>
       <p:nvGrpSpPr>
         <p:cNvPr id="1" name=""/>
@@ -20589,7 +21196,7 @@
             <p:nvPr/>
           </p:nvPicPr>
           <p:blipFill>
-            <a:blip r:embed="rId2">
+            <a:blip r:embed="rId3">
               <a:alphaModFix amt="30000"/>
             </a:blip>
             <a:stretch>
@@ -22687,7 +23294,7 @@
           <p:nvPr/>
         </p:nvPicPr>
         <p:blipFill>
-          <a:blip r:embed="rId3">
+          <a:blip r:embed="rId4">
             <a:alphaModFix amt="30000"/>
           </a:blip>
           <a:stretch>
@@ -22823,7 +23430,7 @@
                   </a:schemeClr>
                 </a:solidFill>
               </a:rPr>
-              <a:t>    WriteLine("Good choice, C# is a fine language.");</a:t>
+              <a:t>  WriteLine("Good choice, C# is a fine language.");</a:t>
             </a:r>
           </a:p>
           <a:p>
@@ -22887,7 +23494,7 @@
                   </a:schemeClr>
                 </a:solidFill>
               </a:rPr>
-              <a:t>    WriteLine(“These are great languages.”);</a:t>
+              <a:t>  WriteLine(“These are great languages.”);</a:t>
             </a:r>
           </a:p>
           <a:p>
@@ -23041,6 +23648,20 @@
 <file path=ppt/slides/slide6.xml><?xml version="1.0" encoding="utf-8"?>
 <p:sld xmlns:a="http://schemas.openxmlformats.org/drawingml/2006/main" xmlns:r="http://schemas.openxmlformats.org/officeDocument/2006/relationships" xmlns:p="http://schemas.openxmlformats.org/presentationml/2006/main">
   <p:cSld>
+    <p:bg>
+      <p:bgPr>
+        <a:blipFill dpi="0" rotWithShape="1">
+          <a:blip r:embed="rId2">
+            <a:lum/>
+          </a:blip>
+          <a:srcRect/>
+          <a:stretch>
+            <a:fillRect/>
+          </a:stretch>
+        </a:blipFill>
+        <a:effectLst/>
+      </p:bgPr>
+    </p:bg>
     <p:spTree>
       <p:nvGrpSpPr>
         <p:cNvPr id="1" name=""/>
@@ -23090,7 +23711,7 @@
             <p:nvPr/>
           </p:nvPicPr>
           <p:blipFill>
-            <a:blip r:embed="rId2">
+            <a:blip r:embed="rId3">
               <a:alphaModFix amt="30000"/>
             </a:blip>
             <a:stretch>
@@ -25188,7 +25809,7 @@
           <p:nvPr/>
         </p:nvPicPr>
         <p:blipFill>
-          <a:blip r:embed="rId3">
+          <a:blip r:embed="rId4">
             <a:alphaModFix amt="30000"/>
           </a:blip>
           <a:stretch>
@@ -25330,7 +25951,7 @@
                   </a:schemeClr>
                 </a:solidFill>
               </a:rPr>
-              <a:t>    WriteLine("Good choice, C# is a fine language.");</a:t>
+              <a:t>  WriteLine("Good choice, C# is a fine language.");</a:t>
             </a:r>
           </a:p>
           <a:p>
@@ -25398,7 +26019,7 @@
                   </a:schemeClr>
                 </a:solidFill>
               </a:rPr>
-              <a:t>    WriteLine(“These are great languages.”);</a:t>
+              <a:t>  WriteLine(“These are great languages.”);</a:t>
             </a:r>
           </a:p>
           <a:p>
@@ -25552,6 +26173,20 @@
 <file path=ppt/slides/slide7.xml><?xml version="1.0" encoding="utf-8"?>
 <p:sld xmlns:a="http://schemas.openxmlformats.org/drawingml/2006/main" xmlns:r="http://schemas.openxmlformats.org/officeDocument/2006/relationships" xmlns:p="http://schemas.openxmlformats.org/presentationml/2006/main">
   <p:cSld>
+    <p:bg>
+      <p:bgPr>
+        <a:blipFill dpi="0" rotWithShape="1">
+          <a:blip r:embed="rId2">
+            <a:lum/>
+          </a:blip>
+          <a:srcRect/>
+          <a:stretch>
+            <a:fillRect/>
+          </a:stretch>
+        </a:blipFill>
+        <a:effectLst/>
+      </p:bgPr>
+    </p:bg>
     <p:spTree>
       <p:nvGrpSpPr>
         <p:cNvPr id="1" name=""/>
@@ -25601,7 +26236,7 @@
             <p:nvPr/>
           </p:nvPicPr>
           <p:blipFill>
-            <a:blip r:embed="rId2">
+            <a:blip r:embed="rId3">
               <a:alphaModFix amt="30000"/>
             </a:blip>
             <a:stretch>
@@ -27699,7 +28334,7 @@
           <p:nvPr/>
         </p:nvPicPr>
         <p:blipFill>
-          <a:blip r:embed="rId3">
+          <a:blip r:embed="rId4">
             <a:alphaModFix amt="30000"/>
           </a:blip>
           <a:stretch>
@@ -27848,7 +28483,7 @@
                   </a:schemeClr>
                 </a:solidFill>
               </a:rPr>
-              <a:t>    WriteLine("Good choice, C# is a fine language.");</a:t>
+              <a:t>  WriteLine("Good choice, C# is a fine language.");</a:t>
             </a:r>
           </a:p>
           <a:p>
@@ -27900,7 +28535,7 @@
             </a:pPr>
             <a:r>
               <a:rPr lang="en-US" sz="1600" dirty="0"/>
-              <a:t>    WriteLine(“These are great languages.”);</a:t>
+              <a:t>  WriteLine(“These are great languages.”);</a:t>
             </a:r>
           </a:p>
           <a:p>
@@ -28048,6 +28683,20 @@
 <file path=ppt/slides/slide8.xml><?xml version="1.0" encoding="utf-8"?>
 <p:sld xmlns:a="http://schemas.openxmlformats.org/drawingml/2006/main" xmlns:r="http://schemas.openxmlformats.org/officeDocument/2006/relationships" xmlns:p="http://schemas.openxmlformats.org/presentationml/2006/main">
   <p:cSld>
+    <p:bg>
+      <p:bgPr>
+        <a:blipFill dpi="0" rotWithShape="1">
+          <a:blip r:embed="rId2">
+            <a:lum/>
+          </a:blip>
+          <a:srcRect/>
+          <a:stretch>
+            <a:fillRect/>
+          </a:stretch>
+        </a:blipFill>
+        <a:effectLst/>
+      </p:bgPr>
+    </p:bg>
     <p:spTree>
       <p:nvGrpSpPr>
         <p:cNvPr id="1" name=""/>
@@ -28097,7 +28746,7 @@
             <p:nvPr/>
           </p:nvPicPr>
           <p:blipFill>
-            <a:blip r:embed="rId2">
+            <a:blip r:embed="rId3">
               <a:alphaModFix amt="30000"/>
             </a:blip>
             <a:stretch>
@@ -30195,7 +30844,7 @@
           <p:nvPr/>
         </p:nvPicPr>
         <p:blipFill>
-          <a:blip r:embed="rId3">
+          <a:blip r:embed="rId4">
             <a:alphaModFix amt="30000"/>
           </a:blip>
           <a:stretch>
@@ -30356,7 +31005,7 @@
                   </a:schemeClr>
                 </a:solidFill>
               </a:rPr>
-              <a:t>    WriteLine("Good choice, C# is a fine language.");</a:t>
+              <a:t>  WriteLine("Good choice, C# is a fine language.");</a:t>
             </a:r>
           </a:p>
           <a:p>
@@ -30420,7 +31069,7 @@
                   </a:schemeClr>
                 </a:solidFill>
               </a:rPr>
-              <a:t>    WriteLine(“These are great languages.”);</a:t>
+              <a:t>  WriteLine(“These are great languages.”);</a:t>
             </a:r>
           </a:p>
           <a:p>
@@ -32921,7 +33570,7 @@
                   </a:schemeClr>
                 </a:solidFill>
               </a:rPr>
-              <a:t>    WriteLine("Good choice, C# is a fine language.");</a:t>
+              <a:t>  WriteLine("Good choice, C# is a fine language.");</a:t>
             </a:r>
           </a:p>
           <a:p>
@@ -32985,7 +33634,7 @@
                   </a:schemeClr>
                 </a:solidFill>
               </a:rPr>
-              <a:t>    WriteLine(“These are great languages.”);</a:t>
+              <a:t>  WriteLine(“These are great languages.”);</a:t>
             </a:r>
           </a:p>
           <a:p>
@@ -33018,6 +33667,272 @@
                 </a:solidFill>
               </a:rPr>
               <a:t>else …</a:t>
+            </a:r>
+          </a:p>
+        </p:txBody>
+      </p:sp>
+      <p:sp>
+        <p:nvSpPr>
+          <p:cNvPr id="22" name="Rectangle 21">
+            <a:extLst>
+              <a:ext uri="{FF2B5EF4-FFF2-40B4-BE49-F238E27FC236}">
+                <a16:creationId xmlns:a16="http://schemas.microsoft.com/office/drawing/2014/main" id="{DC4A663E-B37D-A3E4-8CFB-373399FD44A2}"/>
+              </a:ext>
+            </a:extLst>
+          </p:cNvPr>
+          <p:cNvSpPr/>
+          <p:nvPr/>
+        </p:nvSpPr>
+        <p:spPr>
+          <a:xfrm>
+            <a:off x="4994190" y="463922"/>
+            <a:ext cx="2127794" cy="1085065"/>
+          </a:xfrm>
+          <a:custGeom>
+            <a:avLst/>
+            <a:gdLst>
+              <a:gd name="connsiteX0" fmla="*/ 0 w 2127794"/>
+              <a:gd name="connsiteY0" fmla="*/ 0 h 1085065"/>
+              <a:gd name="connsiteX1" fmla="*/ 510671 w 2127794"/>
+              <a:gd name="connsiteY1" fmla="*/ 0 h 1085065"/>
+              <a:gd name="connsiteX2" fmla="*/ 1042619 w 2127794"/>
+              <a:gd name="connsiteY2" fmla="*/ 0 h 1085065"/>
+              <a:gd name="connsiteX3" fmla="*/ 1595846 w 2127794"/>
+              <a:gd name="connsiteY3" fmla="*/ 0 h 1085065"/>
+              <a:gd name="connsiteX4" fmla="*/ 2127794 w 2127794"/>
+              <a:gd name="connsiteY4" fmla="*/ 0 h 1085065"/>
+              <a:gd name="connsiteX5" fmla="*/ 2127794 w 2127794"/>
+              <a:gd name="connsiteY5" fmla="*/ 553383 h 1085065"/>
+              <a:gd name="connsiteX6" fmla="*/ 2127794 w 2127794"/>
+              <a:gd name="connsiteY6" fmla="*/ 1085065 h 1085065"/>
+              <a:gd name="connsiteX7" fmla="*/ 1553290 w 2127794"/>
+              <a:gd name="connsiteY7" fmla="*/ 1085065 h 1085065"/>
+              <a:gd name="connsiteX8" fmla="*/ 978785 w 2127794"/>
+              <a:gd name="connsiteY8" fmla="*/ 1085065 h 1085065"/>
+              <a:gd name="connsiteX9" fmla="*/ 0 w 2127794"/>
+              <a:gd name="connsiteY9" fmla="*/ 1085065 h 1085065"/>
+              <a:gd name="connsiteX10" fmla="*/ 0 w 2127794"/>
+              <a:gd name="connsiteY10" fmla="*/ 553383 h 1085065"/>
+              <a:gd name="connsiteX11" fmla="*/ 0 w 2127794"/>
+              <a:gd name="connsiteY11" fmla="*/ 0 h 1085065"/>
+            </a:gdLst>
+            <a:ahLst/>
+            <a:cxnLst>
+              <a:cxn ang="0">
+                <a:pos x="connsiteX0" y="connsiteY0"/>
+              </a:cxn>
+              <a:cxn ang="0">
+                <a:pos x="connsiteX1" y="connsiteY1"/>
+              </a:cxn>
+              <a:cxn ang="0">
+                <a:pos x="connsiteX2" y="connsiteY2"/>
+              </a:cxn>
+              <a:cxn ang="0">
+                <a:pos x="connsiteX3" y="connsiteY3"/>
+              </a:cxn>
+              <a:cxn ang="0">
+                <a:pos x="connsiteX4" y="connsiteY4"/>
+              </a:cxn>
+              <a:cxn ang="0">
+                <a:pos x="connsiteX5" y="connsiteY5"/>
+              </a:cxn>
+              <a:cxn ang="0">
+                <a:pos x="connsiteX6" y="connsiteY6"/>
+              </a:cxn>
+              <a:cxn ang="0">
+                <a:pos x="connsiteX7" y="connsiteY7"/>
+              </a:cxn>
+              <a:cxn ang="0">
+                <a:pos x="connsiteX8" y="connsiteY8"/>
+              </a:cxn>
+              <a:cxn ang="0">
+                <a:pos x="connsiteX9" y="connsiteY9"/>
+              </a:cxn>
+              <a:cxn ang="0">
+                <a:pos x="connsiteX10" y="connsiteY10"/>
+              </a:cxn>
+              <a:cxn ang="0">
+                <a:pos x="connsiteX11" y="connsiteY11"/>
+              </a:cxn>
+            </a:cxnLst>
+            <a:rect l="l" t="t" r="r" b="b"/>
+            <a:pathLst>
+              <a:path w="2127794" h="1085065" fill="none" extrusionOk="0">
+                <a:moveTo>
+                  <a:pt x="0" y="0"/>
+                </a:moveTo>
+                <a:cubicBezTo>
+                  <a:pt x="119302" y="-23815"/>
+                  <a:pt x="321953" y="-4268"/>
+                  <a:pt x="510671" y="0"/>
+                </a:cubicBezTo>
+                <a:cubicBezTo>
+                  <a:pt x="699389" y="4268"/>
+                  <a:pt x="838789" y="907"/>
+                  <a:pt x="1042619" y="0"/>
+                </a:cubicBezTo>
+                <a:cubicBezTo>
+                  <a:pt x="1246449" y="-907"/>
+                  <a:pt x="1411197" y="-21334"/>
+                  <a:pt x="1595846" y="0"/>
+                </a:cubicBezTo>
+                <a:cubicBezTo>
+                  <a:pt x="1780495" y="21334"/>
+                  <a:pt x="1932912" y="7920"/>
+                  <a:pt x="2127794" y="0"/>
+                </a:cubicBezTo>
+                <a:cubicBezTo>
+                  <a:pt x="2127419" y="271704"/>
+                  <a:pt x="2137857" y="397892"/>
+                  <a:pt x="2127794" y="553383"/>
+                </a:cubicBezTo>
+                <a:cubicBezTo>
+                  <a:pt x="2117731" y="708874"/>
+                  <a:pt x="2106279" y="956975"/>
+                  <a:pt x="2127794" y="1085065"/>
+                </a:cubicBezTo>
+                <a:cubicBezTo>
+                  <a:pt x="1885798" y="1101516"/>
+                  <a:pt x="1702327" y="1081558"/>
+                  <a:pt x="1553290" y="1085065"/>
+                </a:cubicBezTo>
+                <a:cubicBezTo>
+                  <a:pt x="1404253" y="1088572"/>
+                  <a:pt x="1242606" y="1094387"/>
+                  <a:pt x="978785" y="1085065"/>
+                </a:cubicBezTo>
+                <a:cubicBezTo>
+                  <a:pt x="714965" y="1075743"/>
+                  <a:pt x="280424" y="1084092"/>
+                  <a:pt x="0" y="1085065"/>
+                </a:cubicBezTo>
+                <a:cubicBezTo>
+                  <a:pt x="-13849" y="960040"/>
+                  <a:pt x="-19899" y="725067"/>
+                  <a:pt x="0" y="553383"/>
+                </a:cubicBezTo>
+                <a:cubicBezTo>
+                  <a:pt x="19899" y="381699"/>
+                  <a:pt x="-3693" y="272116"/>
+                  <a:pt x="0" y="0"/>
+                </a:cubicBezTo>
+                <a:close/>
+              </a:path>
+              <a:path w="2127794" h="1085065" stroke="0" extrusionOk="0">
+                <a:moveTo>
+                  <a:pt x="0" y="0"/>
+                </a:moveTo>
+                <a:cubicBezTo>
+                  <a:pt x="171248" y="-8495"/>
+                  <a:pt x="325453" y="21877"/>
+                  <a:pt x="510671" y="0"/>
+                </a:cubicBezTo>
+                <a:cubicBezTo>
+                  <a:pt x="695889" y="-21877"/>
+                  <a:pt x="809193" y="-10069"/>
+                  <a:pt x="978785" y="0"/>
+                </a:cubicBezTo>
+                <a:cubicBezTo>
+                  <a:pt x="1148377" y="10069"/>
+                  <a:pt x="1318885" y="9299"/>
+                  <a:pt x="1553290" y="0"/>
+                </a:cubicBezTo>
+                <a:cubicBezTo>
+                  <a:pt x="1787695" y="-9299"/>
+                  <a:pt x="2002069" y="-24687"/>
+                  <a:pt x="2127794" y="0"/>
+                </a:cubicBezTo>
+                <a:cubicBezTo>
+                  <a:pt x="2106314" y="169500"/>
+                  <a:pt x="2151272" y="285308"/>
+                  <a:pt x="2127794" y="531682"/>
+                </a:cubicBezTo>
+                <a:cubicBezTo>
+                  <a:pt x="2104316" y="778056"/>
+                  <a:pt x="2118402" y="967639"/>
+                  <a:pt x="2127794" y="1085065"/>
+                </a:cubicBezTo>
+                <a:cubicBezTo>
+                  <a:pt x="1964894" y="1061427"/>
+                  <a:pt x="1766987" y="1072900"/>
+                  <a:pt x="1595846" y="1085065"/>
+                </a:cubicBezTo>
+                <a:cubicBezTo>
+                  <a:pt x="1424705" y="1097230"/>
+                  <a:pt x="1145921" y="1082667"/>
+                  <a:pt x="1021341" y="1085065"/>
+                </a:cubicBezTo>
+                <a:cubicBezTo>
+                  <a:pt x="896762" y="1087463"/>
+                  <a:pt x="704333" y="1073542"/>
+                  <a:pt x="553226" y="1085065"/>
+                </a:cubicBezTo>
+                <a:cubicBezTo>
+                  <a:pt x="402120" y="1096588"/>
+                  <a:pt x="149634" y="1090117"/>
+                  <a:pt x="0" y="1085065"/>
+                </a:cubicBezTo>
+                <a:cubicBezTo>
+                  <a:pt x="21856" y="935562"/>
+                  <a:pt x="-26363" y="762075"/>
+                  <a:pt x="0" y="542533"/>
+                </a:cubicBezTo>
+                <a:cubicBezTo>
+                  <a:pt x="26363" y="322991"/>
+                  <a:pt x="24427" y="211558"/>
+                  <a:pt x="0" y="0"/>
+                </a:cubicBezTo>
+                <a:close/>
+              </a:path>
+            </a:pathLst>
+          </a:custGeom>
+          <a:solidFill>
+            <a:schemeClr val="accent4">
+              <a:lumMod val="60000"/>
+              <a:lumOff val="40000"/>
+            </a:schemeClr>
+          </a:solidFill>
+          <a:ln w="12700">
+            <a:solidFill>
+              <a:schemeClr val="tx1"/>
+            </a:solidFill>
+            <a:extLst>
+              <a:ext uri="{C807C97D-BFC1-408E-A445-0C87EB9F89A2}">
+                <ask:lineSketchStyleProps xmlns:ask="http://schemas.microsoft.com/office/drawing/2018/sketchyshapes" sd="1219033472">
+                  <a:prstGeom prst="rect">
+                    <a:avLst/>
+                  </a:prstGeom>
+                  <ask:type>
+                    <ask:lineSketchFreehand/>
+                  </ask:type>
+                </ask:lineSketchStyleProps>
+              </a:ext>
+            </a:extLst>
+          </a:ln>
+          <a:effectLst/>
+        </p:spPr>
+        <p:style>
+          <a:lnRef idx="1">
+            <a:schemeClr val="accent4"/>
+          </a:lnRef>
+          <a:fillRef idx="2">
+            <a:schemeClr val="accent4"/>
+          </a:fillRef>
+          <a:effectRef idx="1">
+            <a:schemeClr val="accent4"/>
+          </a:effectRef>
+          <a:fontRef idx="minor">
+            <a:schemeClr val="dk1"/>
+          </a:fontRef>
+        </p:style>
+        <p:txBody>
+          <a:bodyPr rtlCol="0" anchor="ctr"/>
+          <a:lstStyle/>
+          <a:p>
+            <a:pPr algn="ctr"/>
+            <a:r>
+              <a:rPr lang="en-US" sz="1600" dirty="0"/>
+              <a:t>How about “Fortran”?</a:t>
             </a:r>
           </a:p>
         </p:txBody>
